--- a/docs/Proposal_Deliverables/ECE_593_FinalProject_Proposal/FinalProject_Proposal.pptx
+++ b/docs/Proposal_Deliverables/ECE_593_FinalProject_Proposal/FinalProject_Proposal.pptx
@@ -5,7 +5,7 @@
     <p:sldMasterId id="2147483663" r:id="rId1"/>
   </p:sldMasterIdLst>
   <p:notesMasterIdLst>
-    <p:notesMasterId r:id="rId15"/>
+    <p:notesMasterId r:id="rId16"/>
   </p:notesMasterIdLst>
   <p:sldIdLst>
     <p:sldId id="256" r:id="rId2"/>
@@ -21,6 +21,7 @@
     <p:sldId id="264" r:id="rId12"/>
     <p:sldId id="267" r:id="rId13"/>
     <p:sldId id="268" r:id="rId14"/>
+    <p:sldId id="269" r:id="rId15"/>
   </p:sldIdLst>
   <p:sldSz cx="9144000" cy="5143500" type="screen16x9"/>
   <p:notesSz cx="6858000" cy="9144000"/>
@@ -4321,6 +4322,1605 @@
       </p:par>
     </p:tnLst>
   </p:timing>
+</p:sld>
+</file>
+
+<file path=ppt/slides/slide14.xml><?xml version="1.0" encoding="utf-8"?>
+<p:sld xmlns:a="http://schemas.openxmlformats.org/drawingml/2006/main" xmlns:r="http://schemas.openxmlformats.org/officeDocument/2006/relationships" xmlns:p="http://schemas.openxmlformats.org/presentationml/2006/main">
+  <p:cSld>
+    <p:spTree>
+      <p:nvGrpSpPr>
+        <p:cNvPr id="1" name=""/>
+        <p:cNvGrpSpPr/>
+        <p:nvPr/>
+      </p:nvGrpSpPr>
+      <p:grpSpPr>
+        <a:xfrm>
+          <a:off x="0" y="0"/>
+          <a:ext cx="0" cy="0"/>
+          <a:chOff x="0" y="0"/>
+          <a:chExt cx="0" cy="0"/>
+        </a:xfrm>
+      </p:grpSpPr>
+      <p:sp>
+        <p:nvSpPr>
+          <p:cNvPr id="2" name="Title 1"/>
+          <p:cNvSpPr>
+            <a:spLocks noGrp="1"/>
+          </p:cNvSpPr>
+          <p:nvPr>
+            <p:ph type="title"/>
+          </p:nvPr>
+        </p:nvSpPr>
+        <p:spPr>
+          <a:xfrm>
+            <a:off x="311700" y="189896"/>
+            <a:ext cx="8520600" cy="692967"/>
+          </a:xfrm>
+        </p:spPr>
+        <p:txBody>
+          <a:bodyPr/>
+          <a:lstStyle/>
+          <a:p>
+            <a:r>
+              <a:rPr lang="en-US" u="sng" dirty="0" smtClean="0"/>
+              <a:t>Project Responsibilities </a:t>
+            </a:r>
+            <a:endParaRPr lang="en-US" u="sng" dirty="0"/>
+          </a:p>
+        </p:txBody>
+      </p:sp>
+      <p:graphicFrame>
+        <p:nvGraphicFramePr>
+          <p:cNvPr id="4" name="Table 3"/>
+          <p:cNvGraphicFramePr>
+            <a:graphicFrameLocks noGrp="1"/>
+          </p:cNvGraphicFramePr>
+          <p:nvPr>
+            <p:extLst>
+              <p:ext uri="{D42A27DB-BD31-4B8C-83A1-F6EECF244321}">
+                <p14:modId xmlns:p14="http://schemas.microsoft.com/office/powerpoint/2010/main" val="4040350905"/>
+              </p:ext>
+            </p:extLst>
+          </p:nvPr>
+        </p:nvGraphicFramePr>
+        <p:xfrm>
+          <a:off x="437029" y="1133015"/>
+          <a:ext cx="8236323" cy="3075522"/>
+        </p:xfrm>
+        <a:graphic>
+          <a:graphicData uri="http://schemas.openxmlformats.org/drawingml/2006/table">
+            <a:tbl>
+              <a:tblPr/>
+              <a:tblGrid>
+                <a:gridCol w="2745441"/>
+                <a:gridCol w="2745441"/>
+                <a:gridCol w="2745441"/>
+              </a:tblGrid>
+              <a:tr h="796734">
+                <a:tc>
+                  <a:txBody>
+                    <a:bodyPr/>
+                    <a:lstStyle/>
+                    <a:p>
+                      <a:pPr algn="ctr" rtl="0" fontAlgn="ctr">
+                        <a:spcBef>
+                          <a:spcPts val="0"/>
+                        </a:spcBef>
+                        <a:spcAft>
+                          <a:spcPts val="0"/>
+                        </a:spcAft>
+                      </a:pPr>
+                      <a:r>
+                        <a:rPr lang="en-US" sz="1100" b="1" i="0" u="sng" dirty="0">
+                          <a:solidFill>
+                            <a:srgbClr val="000000"/>
+                          </a:solidFill>
+                          <a:effectLst/>
+                          <a:latin typeface="Arial"/>
+                        </a:rPr>
+                        <a:t>Duties</a:t>
+                      </a:r>
+                      <a:endParaRPr lang="en-US" sz="1100" dirty="0">
+                        <a:effectLst/>
+                      </a:endParaRPr>
+                    </a:p>
+                  </a:txBody>
+                  <a:tcPr marL="60359" marR="60359" marT="60359" marB="60359" anchor="ctr">
+                    <a:lnL w="7620" cap="flat" cmpd="sng" algn="ctr">
+                      <a:solidFill>
+                        <a:srgbClr val="9E9E9E"/>
+                      </a:solidFill>
+                      <a:prstDash val="solid"/>
+                      <a:round/>
+                      <a:headEnd type="none" w="med" len="med"/>
+                      <a:tailEnd type="none" w="med" len="med"/>
+                    </a:lnL>
+                    <a:lnR w="7620" cap="flat" cmpd="sng" algn="ctr">
+                      <a:solidFill>
+                        <a:srgbClr val="9E9E9E"/>
+                      </a:solidFill>
+                      <a:prstDash val="solid"/>
+                      <a:round/>
+                      <a:headEnd type="none" w="med" len="med"/>
+                      <a:tailEnd type="none" w="med" len="med"/>
+                    </a:lnR>
+                    <a:lnT w="7620" cap="flat" cmpd="sng" algn="ctr">
+                      <a:solidFill>
+                        <a:srgbClr val="9E9E9E"/>
+                      </a:solidFill>
+                      <a:prstDash val="solid"/>
+                      <a:round/>
+                      <a:headEnd type="none" w="med" len="med"/>
+                      <a:tailEnd type="none" w="med" len="med"/>
+                    </a:lnT>
+                    <a:lnB w="7620" cap="flat" cmpd="sng" algn="ctr">
+                      <a:solidFill>
+                        <a:srgbClr val="9E9E9E"/>
+                      </a:solidFill>
+                      <a:prstDash val="solid"/>
+                      <a:round/>
+                      <a:headEnd type="none" w="med" len="med"/>
+                      <a:tailEnd type="none" w="med" len="med"/>
+                    </a:lnB>
+                  </a:tcPr>
+                </a:tc>
+                <a:tc>
+                  <a:txBody>
+                    <a:bodyPr/>
+                    <a:lstStyle/>
+                    <a:p>
+                      <a:pPr algn="ctr" rtl="0" fontAlgn="ctr">
+                        <a:spcBef>
+                          <a:spcPts val="0"/>
+                        </a:spcBef>
+                        <a:spcAft>
+                          <a:spcPts val="0"/>
+                        </a:spcAft>
+                      </a:pPr>
+                      <a:r>
+                        <a:rPr lang="en-US" sz="1100" dirty="0" smtClean="0">
+                          <a:effectLst/>
+                        </a:rPr>
+                        <a:t>Nitish</a:t>
+                      </a:r>
+                      <a:r>
+                        <a:rPr lang="en-US" sz="1100" baseline="0" dirty="0" smtClean="0">
+                          <a:effectLst/>
+                        </a:rPr>
+                        <a:t> Kumar Marikal</a:t>
+                      </a:r>
+                      <a:endParaRPr lang="en-US" sz="1100" dirty="0">
+                        <a:effectLst/>
+                      </a:endParaRPr>
+                    </a:p>
+                  </a:txBody>
+                  <a:tcPr marL="60359" marR="60359" marT="60359" marB="60359" anchor="ctr">
+                    <a:lnL w="7620" cap="flat" cmpd="sng" algn="ctr">
+                      <a:solidFill>
+                        <a:srgbClr val="9E9E9E"/>
+                      </a:solidFill>
+                      <a:prstDash val="solid"/>
+                      <a:round/>
+                      <a:headEnd type="none" w="med" len="med"/>
+                      <a:tailEnd type="none" w="med" len="med"/>
+                    </a:lnL>
+                    <a:lnR w="7620" cap="flat" cmpd="sng" algn="ctr">
+                      <a:solidFill>
+                        <a:srgbClr val="9E9E9E"/>
+                      </a:solidFill>
+                      <a:prstDash val="solid"/>
+                      <a:round/>
+                      <a:headEnd type="none" w="med" len="med"/>
+                      <a:tailEnd type="none" w="med" len="med"/>
+                    </a:lnR>
+                    <a:lnT w="7620" cap="flat" cmpd="sng" algn="ctr">
+                      <a:solidFill>
+                        <a:srgbClr val="9E9E9E"/>
+                      </a:solidFill>
+                      <a:prstDash val="solid"/>
+                      <a:round/>
+                      <a:headEnd type="none" w="med" len="med"/>
+                      <a:tailEnd type="none" w="med" len="med"/>
+                    </a:lnT>
+                    <a:lnB w="7620" cap="flat" cmpd="sng" algn="ctr">
+                      <a:solidFill>
+                        <a:srgbClr val="9E9E9E"/>
+                      </a:solidFill>
+                      <a:prstDash val="solid"/>
+                      <a:round/>
+                      <a:headEnd type="none" w="med" len="med"/>
+                      <a:tailEnd type="none" w="med" len="med"/>
+                    </a:lnB>
+                  </a:tcPr>
+                </a:tc>
+                <a:tc>
+                  <a:txBody>
+                    <a:bodyPr/>
+                    <a:lstStyle/>
+                    <a:p>
+                      <a:pPr algn="ctr" rtl="0" fontAlgn="ctr">
+                        <a:spcBef>
+                          <a:spcPts val="0"/>
+                        </a:spcBef>
+                        <a:spcAft>
+                          <a:spcPts val="0"/>
+                        </a:spcAft>
+                      </a:pPr>
+                      <a:r>
+                        <a:rPr lang="en-US" sz="1100" b="1" i="0" u="none" strike="noStrike" dirty="0">
+                          <a:solidFill>
+                            <a:srgbClr val="595959"/>
+                          </a:solidFill>
+                          <a:effectLst/>
+                          <a:latin typeface="Arial"/>
+                        </a:rPr>
+                        <a:t>Shadman Samin</a:t>
+                      </a:r>
+                      <a:endParaRPr lang="en-US" sz="1100" dirty="0">
+                        <a:effectLst/>
+                      </a:endParaRPr>
+                    </a:p>
+                  </a:txBody>
+                  <a:tcPr marL="60359" marR="60359" marT="60359" marB="60359" anchor="ctr">
+                    <a:lnL w="7620" cap="flat" cmpd="sng" algn="ctr">
+                      <a:solidFill>
+                        <a:srgbClr val="9E9E9E"/>
+                      </a:solidFill>
+                      <a:prstDash val="solid"/>
+                      <a:round/>
+                      <a:headEnd type="none" w="med" len="med"/>
+                      <a:tailEnd type="none" w="med" len="med"/>
+                    </a:lnL>
+                    <a:lnR w="7620" cap="flat" cmpd="sng" algn="ctr">
+                      <a:solidFill>
+                        <a:srgbClr val="9E9E9E"/>
+                      </a:solidFill>
+                      <a:prstDash val="solid"/>
+                      <a:round/>
+                      <a:headEnd type="none" w="med" len="med"/>
+                      <a:tailEnd type="none" w="med" len="med"/>
+                    </a:lnR>
+                    <a:lnT w="7620" cap="flat" cmpd="sng" algn="ctr">
+                      <a:solidFill>
+                        <a:srgbClr val="9E9E9E"/>
+                      </a:solidFill>
+                      <a:prstDash val="solid"/>
+                      <a:round/>
+                      <a:headEnd type="none" w="med" len="med"/>
+                      <a:tailEnd type="none" w="med" len="med"/>
+                    </a:lnT>
+                    <a:lnB w="7620" cap="flat" cmpd="sng" algn="ctr">
+                      <a:solidFill>
+                        <a:srgbClr val="9E9E9E"/>
+                      </a:solidFill>
+                      <a:prstDash val="solid"/>
+                      <a:round/>
+                      <a:headEnd type="none" w="med" len="med"/>
+                      <a:tailEnd type="none" w="med" len="med"/>
+                    </a:lnB>
+                  </a:tcPr>
+                </a:tc>
+              </a:tr>
+              <a:tr h="374224">
+                <a:tc>
+                  <a:txBody>
+                    <a:bodyPr/>
+                    <a:lstStyle/>
+                    <a:p>
+                      <a:pPr algn="ctr" rtl="0" fontAlgn="ctr">
+                        <a:spcBef>
+                          <a:spcPts val="0"/>
+                        </a:spcBef>
+                        <a:spcAft>
+                          <a:spcPts val="0"/>
+                        </a:spcAft>
+                      </a:pPr>
+                      <a:r>
+                        <a:rPr lang="en-US" sz="1100" b="1" i="0" u="none" strike="noStrike" dirty="0" smtClean="0">
+                          <a:solidFill>
+                            <a:srgbClr val="000000"/>
+                          </a:solidFill>
+                          <a:effectLst/>
+                          <a:latin typeface="Arial"/>
+                        </a:rPr>
+                        <a:t>Documentation</a:t>
+                      </a:r>
+                      <a:r>
+                        <a:rPr lang="en-US" sz="1100" b="1" i="0" u="none" strike="noStrike" baseline="0" dirty="0" smtClean="0">
+                          <a:solidFill>
+                            <a:srgbClr val="000000"/>
+                          </a:solidFill>
+                          <a:effectLst/>
+                          <a:latin typeface="Arial"/>
+                        </a:rPr>
+                        <a:t> – Verification Plan</a:t>
+                      </a:r>
+                      <a:endParaRPr lang="en-US" sz="1100" dirty="0">
+                        <a:effectLst/>
+                      </a:endParaRPr>
+                    </a:p>
+                  </a:txBody>
+                  <a:tcPr marL="60359" marR="60359" marT="60359" marB="60359" anchor="ctr">
+                    <a:lnL w="7620" cap="flat" cmpd="sng" algn="ctr">
+                      <a:solidFill>
+                        <a:srgbClr val="9E9E9E"/>
+                      </a:solidFill>
+                      <a:prstDash val="solid"/>
+                      <a:round/>
+                      <a:headEnd type="none" w="med" len="med"/>
+                      <a:tailEnd type="none" w="med" len="med"/>
+                    </a:lnL>
+                    <a:lnR w="7620" cap="flat" cmpd="sng" algn="ctr">
+                      <a:solidFill>
+                        <a:srgbClr val="9E9E9E"/>
+                      </a:solidFill>
+                      <a:prstDash val="solid"/>
+                      <a:round/>
+                      <a:headEnd type="none" w="med" len="med"/>
+                      <a:tailEnd type="none" w="med" len="med"/>
+                    </a:lnR>
+                    <a:lnT w="7620" cap="flat" cmpd="sng" algn="ctr">
+                      <a:solidFill>
+                        <a:srgbClr val="9E9E9E"/>
+                      </a:solidFill>
+                      <a:prstDash val="solid"/>
+                      <a:round/>
+                      <a:headEnd type="none" w="med" len="med"/>
+                      <a:tailEnd type="none" w="med" len="med"/>
+                    </a:lnT>
+                    <a:lnB w="7620" cap="flat" cmpd="sng" algn="ctr">
+                      <a:solidFill>
+                        <a:srgbClr val="9E9E9E"/>
+                      </a:solidFill>
+                      <a:prstDash val="solid"/>
+                      <a:round/>
+                      <a:headEnd type="none" w="med" len="med"/>
+                      <a:tailEnd type="none" w="med" len="med"/>
+                    </a:lnB>
+                  </a:tcPr>
+                </a:tc>
+                <a:tc>
+                  <a:txBody>
+                    <a:bodyPr/>
+                    <a:lstStyle/>
+                    <a:p>
+                      <a:pPr marL="0" marR="0" lvl="0" indent="0" algn="ctr" defTabSz="914400" rtl="0" eaLnBrk="1" fontAlgn="ctr" latinLnBrk="0" hangingPunct="1">
+                        <a:lnSpc>
+                          <a:spcPct val="100000"/>
+                        </a:lnSpc>
+                        <a:spcBef>
+                          <a:spcPts val="0"/>
+                        </a:spcBef>
+                        <a:spcAft>
+                          <a:spcPts val="0"/>
+                        </a:spcAft>
+                        <a:buClrTx/>
+                        <a:buSzTx/>
+                        <a:buFontTx/>
+                        <a:buNone/>
+                        <a:tabLst/>
+                        <a:defRPr/>
+                      </a:pPr>
+                      <a:r>
+                        <a:rPr lang="en-US" sz="1100" dirty="0" smtClean="0">
+                          <a:effectLst/>
+                        </a:rPr>
+                        <a:t> </a:t>
+                      </a:r>
+                      <a:r>
+                        <a:rPr kumimoji="0" lang="en-US" sz="1700" b="1" i="0" u="none" strike="noStrike" kern="0" cap="none" spc="0" normalizeH="0" baseline="0" noProof="0" dirty="0" smtClean="0">
+                          <a:ln>
+                            <a:noFill/>
+                          </a:ln>
+                          <a:solidFill>
+                            <a:srgbClr val="252525"/>
+                          </a:solidFill>
+                          <a:effectLst/>
+                          <a:uLnTx/>
+                          <a:uFillTx/>
+                          <a:latin typeface="+mn-lt"/>
+                          <a:ea typeface="+mn-ea"/>
+                          <a:cs typeface="+mn-cs"/>
+                          <a:sym typeface="Arial"/>
+                        </a:rPr>
+                        <a:t>✔</a:t>
+                      </a:r>
+                      <a:endParaRPr kumimoji="0" lang="en-US" sz="1100" b="0" i="0" u="none" strike="noStrike" kern="0" cap="none" spc="0" normalizeH="0" baseline="0" noProof="0" dirty="0" smtClean="0">
+                        <a:ln>
+                          <a:noFill/>
+                        </a:ln>
+                        <a:solidFill>
+                          <a:srgbClr val="000000"/>
+                        </a:solidFill>
+                        <a:effectLst/>
+                        <a:uLnTx/>
+                        <a:uFillTx/>
+                        <a:latin typeface="+mn-lt"/>
+                        <a:ea typeface="+mn-ea"/>
+                        <a:cs typeface="+mn-cs"/>
+                        <a:sym typeface="Arial"/>
+                      </a:endParaRPr>
+                    </a:p>
+                  </a:txBody>
+                  <a:tcPr marL="60359" marR="60359" marT="60359" marB="60359" anchor="ctr">
+                    <a:lnL w="7620" cap="flat" cmpd="sng" algn="ctr">
+                      <a:solidFill>
+                        <a:srgbClr val="9E9E9E"/>
+                      </a:solidFill>
+                      <a:prstDash val="solid"/>
+                      <a:round/>
+                      <a:headEnd type="none" w="med" len="med"/>
+                      <a:tailEnd type="none" w="med" len="med"/>
+                    </a:lnL>
+                    <a:lnR w="7620" cap="flat" cmpd="sng" algn="ctr">
+                      <a:solidFill>
+                        <a:srgbClr val="9E9E9E"/>
+                      </a:solidFill>
+                      <a:prstDash val="solid"/>
+                      <a:round/>
+                      <a:headEnd type="none" w="med" len="med"/>
+                      <a:tailEnd type="none" w="med" len="med"/>
+                    </a:lnR>
+                    <a:lnT w="7620" cap="flat" cmpd="sng" algn="ctr">
+                      <a:solidFill>
+                        <a:srgbClr val="9E9E9E"/>
+                      </a:solidFill>
+                      <a:prstDash val="solid"/>
+                      <a:round/>
+                      <a:headEnd type="none" w="med" len="med"/>
+                      <a:tailEnd type="none" w="med" len="med"/>
+                    </a:lnT>
+                    <a:lnB w="7620" cap="flat" cmpd="sng" algn="ctr">
+                      <a:solidFill>
+                        <a:srgbClr val="9E9E9E"/>
+                      </a:solidFill>
+                      <a:prstDash val="solid"/>
+                      <a:round/>
+                      <a:headEnd type="none" w="med" len="med"/>
+                      <a:tailEnd type="none" w="med" len="med"/>
+                    </a:lnB>
+                  </a:tcPr>
+                </a:tc>
+                <a:tc>
+                  <a:txBody>
+                    <a:bodyPr/>
+                    <a:lstStyle/>
+                    <a:p>
+                      <a:pPr algn="ctr" fontAlgn="ctr"/>
+                      <a:r>
+                        <a:rPr lang="en-US" sz="1100" dirty="0">
+                          <a:effectLst/>
+                        </a:rPr>
+                        <a:t> </a:t>
+                      </a:r>
+                      <a:r>
+                        <a:rPr kumimoji="0" lang="en-US" sz="1700" b="1" i="0" u="none" strike="noStrike" kern="0" cap="none" spc="0" normalizeH="0" baseline="0" noProof="0" dirty="0" smtClean="0">
+                          <a:ln>
+                            <a:noFill/>
+                          </a:ln>
+                          <a:solidFill>
+                            <a:srgbClr val="252525"/>
+                          </a:solidFill>
+                          <a:effectLst/>
+                          <a:uLnTx/>
+                          <a:uFillTx/>
+                          <a:latin typeface="+mn-lt"/>
+                          <a:ea typeface="+mn-ea"/>
+                          <a:cs typeface="+mn-cs"/>
+                          <a:sym typeface="Arial"/>
+                        </a:rPr>
+                        <a:t>✔</a:t>
+                      </a:r>
+                      <a:endParaRPr lang="en-US" sz="1100" dirty="0">
+                        <a:effectLst/>
+                      </a:endParaRPr>
+                    </a:p>
+                  </a:txBody>
+                  <a:tcPr marL="60359" marR="60359" marT="60359" marB="60359" anchor="ctr">
+                    <a:lnL w="7620" cap="flat" cmpd="sng" algn="ctr">
+                      <a:solidFill>
+                        <a:srgbClr val="9E9E9E"/>
+                      </a:solidFill>
+                      <a:prstDash val="solid"/>
+                      <a:round/>
+                      <a:headEnd type="none" w="med" len="med"/>
+                      <a:tailEnd type="none" w="med" len="med"/>
+                    </a:lnL>
+                    <a:lnR w="7620" cap="flat" cmpd="sng" algn="ctr">
+                      <a:solidFill>
+                        <a:srgbClr val="9E9E9E"/>
+                      </a:solidFill>
+                      <a:prstDash val="solid"/>
+                      <a:round/>
+                      <a:headEnd type="none" w="med" len="med"/>
+                      <a:tailEnd type="none" w="med" len="med"/>
+                    </a:lnR>
+                    <a:lnT w="7620" cap="flat" cmpd="sng" algn="ctr">
+                      <a:solidFill>
+                        <a:srgbClr val="9E9E9E"/>
+                      </a:solidFill>
+                      <a:prstDash val="solid"/>
+                      <a:round/>
+                      <a:headEnd type="none" w="med" len="med"/>
+                      <a:tailEnd type="none" w="med" len="med"/>
+                    </a:lnT>
+                    <a:lnB w="7620" cap="flat" cmpd="sng" algn="ctr">
+                      <a:solidFill>
+                        <a:srgbClr val="9E9E9E"/>
+                      </a:solidFill>
+                      <a:prstDash val="solid"/>
+                      <a:round/>
+                      <a:headEnd type="none" w="med" len="med"/>
+                      <a:tailEnd type="none" w="med" len="med"/>
+                    </a:lnB>
+                  </a:tcPr>
+                </a:tc>
+              </a:tr>
+              <a:tr h="374224">
+                <a:tc>
+                  <a:txBody>
+                    <a:bodyPr/>
+                    <a:lstStyle/>
+                    <a:p>
+                      <a:pPr algn="ctr" rtl="0" fontAlgn="ctr">
+                        <a:spcBef>
+                          <a:spcPts val="0"/>
+                        </a:spcBef>
+                        <a:spcAft>
+                          <a:spcPts val="0"/>
+                        </a:spcAft>
+                      </a:pPr>
+                      <a:r>
+                        <a:rPr lang="en-US" sz="1100" b="1" dirty="0" smtClean="0">
+                          <a:effectLst/>
+                        </a:rPr>
+                        <a:t>Unit</a:t>
+                      </a:r>
+                      <a:r>
+                        <a:rPr lang="en-US" sz="1100" b="1" baseline="0" dirty="0" smtClean="0">
+                          <a:effectLst/>
+                        </a:rPr>
+                        <a:t> Testing – Memory</a:t>
+                      </a:r>
+                      <a:endParaRPr lang="en-US" sz="1100" b="1" dirty="0">
+                        <a:effectLst/>
+                      </a:endParaRPr>
+                    </a:p>
+                  </a:txBody>
+                  <a:tcPr marL="60359" marR="60359" marT="60359" marB="60359" anchor="ctr">
+                    <a:lnL w="7620" cap="flat" cmpd="sng" algn="ctr">
+                      <a:solidFill>
+                        <a:srgbClr val="9E9E9E"/>
+                      </a:solidFill>
+                      <a:prstDash val="solid"/>
+                      <a:round/>
+                      <a:headEnd type="none" w="med" len="med"/>
+                      <a:tailEnd type="none" w="med" len="med"/>
+                    </a:lnL>
+                    <a:lnR w="7620" cap="flat" cmpd="sng" algn="ctr">
+                      <a:solidFill>
+                        <a:srgbClr val="9E9E9E"/>
+                      </a:solidFill>
+                      <a:prstDash val="solid"/>
+                      <a:round/>
+                      <a:headEnd type="none" w="med" len="med"/>
+                      <a:tailEnd type="none" w="med" len="med"/>
+                    </a:lnR>
+                    <a:lnT w="7620" cap="flat" cmpd="sng" algn="ctr">
+                      <a:solidFill>
+                        <a:srgbClr val="9E9E9E"/>
+                      </a:solidFill>
+                      <a:prstDash val="solid"/>
+                      <a:round/>
+                      <a:headEnd type="none" w="med" len="med"/>
+                      <a:tailEnd type="none" w="med" len="med"/>
+                    </a:lnT>
+                    <a:lnB w="7620" cap="flat" cmpd="sng" algn="ctr">
+                      <a:solidFill>
+                        <a:srgbClr val="9E9E9E"/>
+                      </a:solidFill>
+                      <a:prstDash val="solid"/>
+                      <a:round/>
+                      <a:headEnd type="none" w="med" len="med"/>
+                      <a:tailEnd type="none" w="med" len="med"/>
+                    </a:lnB>
+                  </a:tcPr>
+                </a:tc>
+                <a:tc>
+                  <a:txBody>
+                    <a:bodyPr/>
+                    <a:lstStyle/>
+                    <a:p>
+                      <a:pPr algn="ctr" rtl="0" fontAlgn="ctr">
+                        <a:spcBef>
+                          <a:spcPts val="0"/>
+                        </a:spcBef>
+                        <a:spcAft>
+                          <a:spcPts val="0"/>
+                        </a:spcAft>
+                      </a:pPr>
+                      <a:r>
+                        <a:rPr lang="en-US" sz="1700" b="1" i="0" u="none" strike="noStrike" dirty="0">
+                          <a:solidFill>
+                            <a:srgbClr val="252525"/>
+                          </a:solidFill>
+                          <a:effectLst/>
+                          <a:latin typeface="Arial"/>
+                        </a:rPr>
+                        <a:t>✔</a:t>
+                      </a:r>
+                      <a:endParaRPr lang="en-US" sz="1100" dirty="0">
+                        <a:effectLst/>
+                      </a:endParaRPr>
+                    </a:p>
+                  </a:txBody>
+                  <a:tcPr marL="60359" marR="60359" marT="60359" marB="60359" anchor="ctr">
+                    <a:lnL w="7620" cap="flat" cmpd="sng" algn="ctr">
+                      <a:solidFill>
+                        <a:srgbClr val="9E9E9E"/>
+                      </a:solidFill>
+                      <a:prstDash val="solid"/>
+                      <a:round/>
+                      <a:headEnd type="none" w="med" len="med"/>
+                      <a:tailEnd type="none" w="med" len="med"/>
+                    </a:lnL>
+                    <a:lnR w="7620" cap="flat" cmpd="sng" algn="ctr">
+                      <a:solidFill>
+                        <a:srgbClr val="9E9E9E"/>
+                      </a:solidFill>
+                      <a:prstDash val="solid"/>
+                      <a:round/>
+                      <a:headEnd type="none" w="med" len="med"/>
+                      <a:tailEnd type="none" w="med" len="med"/>
+                    </a:lnR>
+                    <a:lnT w="7620" cap="flat" cmpd="sng" algn="ctr">
+                      <a:solidFill>
+                        <a:srgbClr val="9E9E9E"/>
+                      </a:solidFill>
+                      <a:prstDash val="solid"/>
+                      <a:round/>
+                      <a:headEnd type="none" w="med" len="med"/>
+                      <a:tailEnd type="none" w="med" len="med"/>
+                    </a:lnT>
+                    <a:lnB w="7620" cap="flat" cmpd="sng" algn="ctr">
+                      <a:solidFill>
+                        <a:srgbClr val="9E9E9E"/>
+                      </a:solidFill>
+                      <a:prstDash val="solid"/>
+                      <a:round/>
+                      <a:headEnd type="none" w="med" len="med"/>
+                      <a:tailEnd type="none" w="med" len="med"/>
+                    </a:lnB>
+                  </a:tcPr>
+                </a:tc>
+                <a:tc>
+                  <a:txBody>
+                    <a:bodyPr/>
+                    <a:lstStyle/>
+                    <a:p>
+                      <a:pPr fontAlgn="ctr"/>
+                      <a:r>
+                        <a:rPr lang="en-US" sz="1100">
+                          <a:effectLst/>
+                        </a:rPr>
+                        <a:t> </a:t>
+                      </a:r>
+                    </a:p>
+                  </a:txBody>
+                  <a:tcPr marL="60359" marR="60359" marT="60359" marB="60359" anchor="ctr">
+                    <a:lnL w="7620" cap="flat" cmpd="sng" algn="ctr">
+                      <a:solidFill>
+                        <a:srgbClr val="9E9E9E"/>
+                      </a:solidFill>
+                      <a:prstDash val="solid"/>
+                      <a:round/>
+                      <a:headEnd type="none" w="med" len="med"/>
+                      <a:tailEnd type="none" w="med" len="med"/>
+                    </a:lnL>
+                    <a:lnR w="7620" cap="flat" cmpd="sng" algn="ctr">
+                      <a:solidFill>
+                        <a:srgbClr val="9E9E9E"/>
+                      </a:solidFill>
+                      <a:prstDash val="solid"/>
+                      <a:round/>
+                      <a:headEnd type="none" w="med" len="med"/>
+                      <a:tailEnd type="none" w="med" len="med"/>
+                    </a:lnR>
+                    <a:lnT w="7620" cap="flat" cmpd="sng" algn="ctr">
+                      <a:solidFill>
+                        <a:srgbClr val="9E9E9E"/>
+                      </a:solidFill>
+                      <a:prstDash val="solid"/>
+                      <a:round/>
+                      <a:headEnd type="none" w="med" len="med"/>
+                      <a:tailEnd type="none" w="med" len="med"/>
+                    </a:lnT>
+                    <a:lnB w="7620" cap="flat" cmpd="sng" algn="ctr">
+                      <a:solidFill>
+                        <a:srgbClr val="9E9E9E"/>
+                      </a:solidFill>
+                      <a:prstDash val="solid"/>
+                      <a:round/>
+                      <a:headEnd type="none" w="med" len="med"/>
+                      <a:tailEnd type="none" w="med" len="med"/>
+                    </a:lnB>
+                  </a:tcPr>
+                </a:tc>
+              </a:tr>
+              <a:tr h="374224">
+                <a:tc>
+                  <a:txBody>
+                    <a:bodyPr/>
+                    <a:lstStyle/>
+                    <a:p>
+                      <a:pPr algn="ctr" rtl="0" fontAlgn="ctr">
+                        <a:spcBef>
+                          <a:spcPts val="0"/>
+                        </a:spcBef>
+                        <a:spcAft>
+                          <a:spcPts val="0"/>
+                        </a:spcAft>
+                      </a:pPr>
+                      <a:r>
+                        <a:rPr lang="en-US" sz="1100" b="1" i="0" u="none" strike="noStrike" dirty="0" smtClean="0">
+                          <a:solidFill>
+                            <a:srgbClr val="000000"/>
+                          </a:solidFill>
+                          <a:effectLst/>
+                          <a:latin typeface="Arial"/>
+                        </a:rPr>
+                        <a:t>Unit Testing –</a:t>
+                      </a:r>
+                      <a:r>
+                        <a:rPr lang="en-US" sz="1100" b="1" i="0" u="none" strike="noStrike" baseline="0" dirty="0" smtClean="0">
+                          <a:solidFill>
+                            <a:srgbClr val="000000"/>
+                          </a:solidFill>
+                          <a:effectLst/>
+                          <a:latin typeface="Arial"/>
+                        </a:rPr>
+                        <a:t> Instruction Fetch</a:t>
+                      </a:r>
+                      <a:endParaRPr lang="en-US" sz="1100" dirty="0">
+                        <a:effectLst/>
+                      </a:endParaRPr>
+                    </a:p>
+                  </a:txBody>
+                  <a:tcPr marL="60359" marR="60359" marT="60359" marB="60359" anchor="ctr">
+                    <a:lnL w="7620" cap="flat" cmpd="sng" algn="ctr">
+                      <a:solidFill>
+                        <a:srgbClr val="9E9E9E"/>
+                      </a:solidFill>
+                      <a:prstDash val="solid"/>
+                      <a:round/>
+                      <a:headEnd type="none" w="med" len="med"/>
+                      <a:tailEnd type="none" w="med" len="med"/>
+                    </a:lnL>
+                    <a:lnR w="7620" cap="flat" cmpd="sng" algn="ctr">
+                      <a:solidFill>
+                        <a:srgbClr val="9E9E9E"/>
+                      </a:solidFill>
+                      <a:prstDash val="solid"/>
+                      <a:round/>
+                      <a:headEnd type="none" w="med" len="med"/>
+                      <a:tailEnd type="none" w="med" len="med"/>
+                    </a:lnR>
+                    <a:lnT w="7620" cap="flat" cmpd="sng" algn="ctr">
+                      <a:solidFill>
+                        <a:srgbClr val="9E9E9E"/>
+                      </a:solidFill>
+                      <a:prstDash val="solid"/>
+                      <a:round/>
+                      <a:headEnd type="none" w="med" len="med"/>
+                      <a:tailEnd type="none" w="med" len="med"/>
+                    </a:lnT>
+                    <a:lnB w="7620" cap="flat" cmpd="sng" algn="ctr">
+                      <a:solidFill>
+                        <a:srgbClr val="9E9E9E"/>
+                      </a:solidFill>
+                      <a:prstDash val="solid"/>
+                      <a:round/>
+                      <a:headEnd type="none" w="med" len="med"/>
+                      <a:tailEnd type="none" w="med" len="med"/>
+                    </a:lnB>
+                  </a:tcPr>
+                </a:tc>
+                <a:tc>
+                  <a:txBody>
+                    <a:bodyPr/>
+                    <a:lstStyle/>
+                    <a:p>
+                      <a:pPr fontAlgn="ctr"/>
+                      <a:r>
+                        <a:rPr lang="en-US" sz="1100">
+                          <a:effectLst/>
+                        </a:rPr>
+                        <a:t> </a:t>
+                      </a:r>
+                    </a:p>
+                  </a:txBody>
+                  <a:tcPr marL="60359" marR="60359" marT="60359" marB="60359" anchor="ctr">
+                    <a:lnL w="7620" cap="flat" cmpd="sng" algn="ctr">
+                      <a:solidFill>
+                        <a:srgbClr val="9E9E9E"/>
+                      </a:solidFill>
+                      <a:prstDash val="solid"/>
+                      <a:round/>
+                      <a:headEnd type="none" w="med" len="med"/>
+                      <a:tailEnd type="none" w="med" len="med"/>
+                    </a:lnL>
+                    <a:lnR w="7620" cap="flat" cmpd="sng" algn="ctr">
+                      <a:solidFill>
+                        <a:srgbClr val="9E9E9E"/>
+                      </a:solidFill>
+                      <a:prstDash val="solid"/>
+                      <a:round/>
+                      <a:headEnd type="none" w="med" len="med"/>
+                      <a:tailEnd type="none" w="med" len="med"/>
+                    </a:lnR>
+                    <a:lnT w="7620" cap="flat" cmpd="sng" algn="ctr">
+                      <a:solidFill>
+                        <a:srgbClr val="9E9E9E"/>
+                      </a:solidFill>
+                      <a:prstDash val="solid"/>
+                      <a:round/>
+                      <a:headEnd type="none" w="med" len="med"/>
+                      <a:tailEnd type="none" w="med" len="med"/>
+                    </a:lnT>
+                    <a:lnB w="7620" cap="flat" cmpd="sng" algn="ctr">
+                      <a:solidFill>
+                        <a:srgbClr val="9E9E9E"/>
+                      </a:solidFill>
+                      <a:prstDash val="solid"/>
+                      <a:round/>
+                      <a:headEnd type="none" w="med" len="med"/>
+                      <a:tailEnd type="none" w="med" len="med"/>
+                    </a:lnB>
+                  </a:tcPr>
+                </a:tc>
+                <a:tc>
+                  <a:txBody>
+                    <a:bodyPr/>
+                    <a:lstStyle/>
+                    <a:p>
+                      <a:pPr algn="ctr" fontAlgn="ctr"/>
+                      <a:r>
+                        <a:rPr lang="en-US" sz="1100" dirty="0">
+                          <a:effectLst/>
+                        </a:rPr>
+                        <a:t> </a:t>
+                      </a:r>
+                      <a:r>
+                        <a:rPr kumimoji="0" lang="en-US" sz="1700" b="1" i="0" u="none" strike="noStrike" kern="0" cap="none" spc="0" normalizeH="0" baseline="0" noProof="0" dirty="0" smtClean="0">
+                          <a:ln>
+                            <a:noFill/>
+                          </a:ln>
+                          <a:solidFill>
+                            <a:srgbClr val="252525"/>
+                          </a:solidFill>
+                          <a:effectLst/>
+                          <a:uLnTx/>
+                          <a:uFillTx/>
+                          <a:latin typeface="+mn-lt"/>
+                          <a:ea typeface="+mn-ea"/>
+                          <a:cs typeface="+mn-cs"/>
+                          <a:sym typeface="Arial"/>
+                        </a:rPr>
+                        <a:t>✔</a:t>
+                      </a:r>
+                      <a:endParaRPr lang="en-US" sz="1100" dirty="0">
+                        <a:effectLst/>
+                      </a:endParaRPr>
+                    </a:p>
+                  </a:txBody>
+                  <a:tcPr marL="60359" marR="60359" marT="60359" marB="60359" anchor="ctr">
+                    <a:lnL w="7620" cap="flat" cmpd="sng" algn="ctr">
+                      <a:solidFill>
+                        <a:srgbClr val="9E9E9E"/>
+                      </a:solidFill>
+                      <a:prstDash val="solid"/>
+                      <a:round/>
+                      <a:headEnd type="none" w="med" len="med"/>
+                      <a:tailEnd type="none" w="med" len="med"/>
+                    </a:lnL>
+                    <a:lnR w="7620" cap="flat" cmpd="sng" algn="ctr">
+                      <a:solidFill>
+                        <a:srgbClr val="9E9E9E"/>
+                      </a:solidFill>
+                      <a:prstDash val="solid"/>
+                      <a:round/>
+                      <a:headEnd type="none" w="med" len="med"/>
+                      <a:tailEnd type="none" w="med" len="med"/>
+                    </a:lnR>
+                    <a:lnT w="7620" cap="flat" cmpd="sng" algn="ctr">
+                      <a:solidFill>
+                        <a:srgbClr val="9E9E9E"/>
+                      </a:solidFill>
+                      <a:prstDash val="solid"/>
+                      <a:round/>
+                      <a:headEnd type="none" w="med" len="med"/>
+                      <a:tailEnd type="none" w="med" len="med"/>
+                    </a:lnT>
+                    <a:lnB w="7620" cap="flat" cmpd="sng" algn="ctr">
+                      <a:solidFill>
+                        <a:srgbClr val="9E9E9E"/>
+                      </a:solidFill>
+                      <a:prstDash val="solid"/>
+                      <a:round/>
+                      <a:headEnd type="none" w="med" len="med"/>
+                      <a:tailEnd type="none" w="med" len="med"/>
+                    </a:lnB>
+                  </a:tcPr>
+                </a:tc>
+              </a:tr>
+              <a:tr h="374224">
+                <a:tc>
+                  <a:txBody>
+                    <a:bodyPr/>
+                    <a:lstStyle/>
+                    <a:p>
+                      <a:pPr algn="ctr" rtl="0" fontAlgn="ctr">
+                        <a:spcBef>
+                          <a:spcPts val="0"/>
+                        </a:spcBef>
+                        <a:spcAft>
+                          <a:spcPts val="0"/>
+                        </a:spcAft>
+                      </a:pPr>
+                      <a:r>
+                        <a:rPr lang="en-US" sz="1100" b="1" i="0" u="none" strike="noStrike" dirty="0" smtClean="0">
+                          <a:solidFill>
+                            <a:srgbClr val="000000"/>
+                          </a:solidFill>
+                          <a:effectLst/>
+                          <a:latin typeface="Arial"/>
+                        </a:rPr>
+                        <a:t>Unit</a:t>
+                      </a:r>
+                      <a:r>
+                        <a:rPr lang="en-US" sz="1100" b="1" i="0" u="none" strike="noStrike" baseline="0" dirty="0" smtClean="0">
+                          <a:solidFill>
+                            <a:srgbClr val="000000"/>
+                          </a:solidFill>
+                          <a:effectLst/>
+                          <a:latin typeface="Arial"/>
+                        </a:rPr>
+                        <a:t> Testing – Execute</a:t>
+                      </a:r>
+                      <a:endParaRPr lang="en-US" sz="1100" dirty="0">
+                        <a:effectLst/>
+                      </a:endParaRPr>
+                    </a:p>
+                  </a:txBody>
+                  <a:tcPr marL="60359" marR="60359" marT="60359" marB="60359" anchor="ctr">
+                    <a:lnL w="7620" cap="flat" cmpd="sng" algn="ctr">
+                      <a:solidFill>
+                        <a:srgbClr val="9E9E9E"/>
+                      </a:solidFill>
+                      <a:prstDash val="solid"/>
+                      <a:round/>
+                      <a:headEnd type="none" w="med" len="med"/>
+                      <a:tailEnd type="none" w="med" len="med"/>
+                    </a:lnL>
+                    <a:lnR w="7620" cap="flat" cmpd="sng" algn="ctr">
+                      <a:solidFill>
+                        <a:srgbClr val="9E9E9E"/>
+                      </a:solidFill>
+                      <a:prstDash val="solid"/>
+                      <a:round/>
+                      <a:headEnd type="none" w="med" len="med"/>
+                      <a:tailEnd type="none" w="med" len="med"/>
+                    </a:lnR>
+                    <a:lnT w="7620" cap="flat" cmpd="sng" algn="ctr">
+                      <a:solidFill>
+                        <a:srgbClr val="9E9E9E"/>
+                      </a:solidFill>
+                      <a:prstDash val="solid"/>
+                      <a:round/>
+                      <a:headEnd type="none" w="med" len="med"/>
+                      <a:tailEnd type="none" w="med" len="med"/>
+                    </a:lnT>
+                    <a:lnB w="7620" cap="flat" cmpd="sng" algn="ctr">
+                      <a:solidFill>
+                        <a:srgbClr val="9E9E9E"/>
+                      </a:solidFill>
+                      <a:prstDash val="solid"/>
+                      <a:round/>
+                      <a:headEnd type="none" w="med" len="med"/>
+                      <a:tailEnd type="none" w="med" len="med"/>
+                    </a:lnB>
+                  </a:tcPr>
+                </a:tc>
+                <a:tc>
+                  <a:txBody>
+                    <a:bodyPr/>
+                    <a:lstStyle/>
+                    <a:p>
+                      <a:pPr marL="0" marR="0" lvl="0" indent="0" algn="ctr" defTabSz="914400" rtl="0" eaLnBrk="1" fontAlgn="ctr" latinLnBrk="0" hangingPunct="1">
+                        <a:lnSpc>
+                          <a:spcPct val="100000"/>
+                        </a:lnSpc>
+                        <a:spcBef>
+                          <a:spcPts val="0"/>
+                        </a:spcBef>
+                        <a:spcAft>
+                          <a:spcPts val="0"/>
+                        </a:spcAft>
+                        <a:buClrTx/>
+                        <a:buSzTx/>
+                        <a:buFontTx/>
+                        <a:buNone/>
+                        <a:tabLst/>
+                        <a:defRPr/>
+                      </a:pPr>
+                      <a:r>
+                        <a:rPr lang="en-US" sz="1100" dirty="0" smtClean="0">
+                          <a:effectLst/>
+                        </a:rPr>
+                        <a:t> </a:t>
+                      </a:r>
+                      <a:r>
+                        <a:rPr kumimoji="0" lang="en-US" sz="1700" b="1" i="0" u="none" strike="noStrike" kern="0" cap="none" spc="0" normalizeH="0" baseline="0" noProof="0" dirty="0" smtClean="0">
+                          <a:ln>
+                            <a:noFill/>
+                          </a:ln>
+                          <a:solidFill>
+                            <a:srgbClr val="252525"/>
+                          </a:solidFill>
+                          <a:effectLst/>
+                          <a:uLnTx/>
+                          <a:uFillTx/>
+                          <a:latin typeface="+mn-lt"/>
+                          <a:ea typeface="+mn-ea"/>
+                          <a:cs typeface="+mn-cs"/>
+                          <a:sym typeface="Arial"/>
+                        </a:rPr>
+                        <a:t>✔</a:t>
+                      </a:r>
+                      <a:endParaRPr kumimoji="0" lang="en-US" sz="1100" b="0" i="0" u="none" strike="noStrike" kern="0" cap="none" spc="0" normalizeH="0" baseline="0" noProof="0" dirty="0" smtClean="0">
+                        <a:ln>
+                          <a:noFill/>
+                        </a:ln>
+                        <a:solidFill>
+                          <a:srgbClr val="000000"/>
+                        </a:solidFill>
+                        <a:effectLst/>
+                        <a:uLnTx/>
+                        <a:uFillTx/>
+                        <a:latin typeface="+mn-lt"/>
+                        <a:ea typeface="+mn-ea"/>
+                        <a:cs typeface="+mn-cs"/>
+                        <a:sym typeface="Arial"/>
+                      </a:endParaRPr>
+                    </a:p>
+                  </a:txBody>
+                  <a:tcPr marL="60359" marR="60359" marT="60359" marB="60359" anchor="ctr">
+                    <a:lnL w="7620" cap="flat" cmpd="sng" algn="ctr">
+                      <a:solidFill>
+                        <a:srgbClr val="9E9E9E"/>
+                      </a:solidFill>
+                      <a:prstDash val="solid"/>
+                      <a:round/>
+                      <a:headEnd type="none" w="med" len="med"/>
+                      <a:tailEnd type="none" w="med" len="med"/>
+                    </a:lnL>
+                    <a:lnR w="7620" cap="flat" cmpd="sng" algn="ctr">
+                      <a:solidFill>
+                        <a:srgbClr val="9E9E9E"/>
+                      </a:solidFill>
+                      <a:prstDash val="solid"/>
+                      <a:round/>
+                      <a:headEnd type="none" w="med" len="med"/>
+                      <a:tailEnd type="none" w="med" len="med"/>
+                    </a:lnR>
+                    <a:lnT w="7620" cap="flat" cmpd="sng" algn="ctr">
+                      <a:solidFill>
+                        <a:srgbClr val="9E9E9E"/>
+                      </a:solidFill>
+                      <a:prstDash val="solid"/>
+                      <a:round/>
+                      <a:headEnd type="none" w="med" len="med"/>
+                      <a:tailEnd type="none" w="med" len="med"/>
+                    </a:lnT>
+                    <a:lnB w="7620" cap="flat" cmpd="sng" algn="ctr">
+                      <a:solidFill>
+                        <a:srgbClr val="9E9E9E"/>
+                      </a:solidFill>
+                      <a:prstDash val="solid"/>
+                      <a:round/>
+                      <a:headEnd type="none" w="med" len="med"/>
+                      <a:tailEnd type="none" w="med" len="med"/>
+                    </a:lnB>
+                  </a:tcPr>
+                </a:tc>
+                <a:tc>
+                  <a:txBody>
+                    <a:bodyPr/>
+                    <a:lstStyle/>
+                    <a:p>
+                      <a:pPr algn="ctr" rtl="0" fontAlgn="ctr">
+                        <a:spcBef>
+                          <a:spcPts val="0"/>
+                        </a:spcBef>
+                        <a:spcAft>
+                          <a:spcPts val="0"/>
+                        </a:spcAft>
+                      </a:pPr>
+                      <a:endParaRPr lang="en-US" sz="1100" dirty="0">
+                        <a:effectLst/>
+                      </a:endParaRPr>
+                    </a:p>
+                  </a:txBody>
+                  <a:tcPr marL="60359" marR="60359" marT="60359" marB="60359" anchor="ctr">
+                    <a:lnL w="7620" cap="flat" cmpd="sng" algn="ctr">
+                      <a:solidFill>
+                        <a:srgbClr val="9E9E9E"/>
+                      </a:solidFill>
+                      <a:prstDash val="solid"/>
+                      <a:round/>
+                      <a:headEnd type="none" w="med" len="med"/>
+                      <a:tailEnd type="none" w="med" len="med"/>
+                    </a:lnL>
+                    <a:lnR w="7620" cap="flat" cmpd="sng" algn="ctr">
+                      <a:solidFill>
+                        <a:srgbClr val="9E9E9E"/>
+                      </a:solidFill>
+                      <a:prstDash val="solid"/>
+                      <a:round/>
+                      <a:headEnd type="none" w="med" len="med"/>
+                      <a:tailEnd type="none" w="med" len="med"/>
+                    </a:lnR>
+                    <a:lnT w="7620" cap="flat" cmpd="sng" algn="ctr">
+                      <a:solidFill>
+                        <a:srgbClr val="9E9E9E"/>
+                      </a:solidFill>
+                      <a:prstDash val="solid"/>
+                      <a:round/>
+                      <a:headEnd type="none" w="med" len="med"/>
+                      <a:tailEnd type="none" w="med" len="med"/>
+                    </a:lnT>
+                    <a:lnB w="7620" cap="flat" cmpd="sng" algn="ctr">
+                      <a:solidFill>
+                        <a:srgbClr val="9E9E9E"/>
+                      </a:solidFill>
+                      <a:prstDash val="solid"/>
+                      <a:round/>
+                      <a:headEnd type="none" w="med" len="med"/>
+                      <a:tailEnd type="none" w="med" len="med"/>
+                    </a:lnB>
+                  </a:tcPr>
+                </a:tc>
+              </a:tr>
+              <a:tr h="374224">
+                <a:tc>
+                  <a:txBody>
+                    <a:bodyPr/>
+                    <a:lstStyle/>
+                    <a:p>
+                      <a:pPr algn="ctr" rtl="0" fontAlgn="ctr">
+                        <a:spcBef>
+                          <a:spcPts val="0"/>
+                        </a:spcBef>
+                        <a:spcAft>
+                          <a:spcPts val="0"/>
+                        </a:spcAft>
+                      </a:pPr>
+                      <a:r>
+                        <a:rPr lang="en-US" sz="1100" b="1" i="0" u="none" strike="noStrike" dirty="0" smtClean="0">
+                          <a:solidFill>
+                            <a:srgbClr val="000000"/>
+                          </a:solidFill>
+                          <a:effectLst/>
+                          <a:latin typeface="Arial"/>
+                        </a:rPr>
+                        <a:t>Chip Level Test</a:t>
+                      </a:r>
+                      <a:r>
+                        <a:rPr lang="en-US" sz="1100" b="1" i="0" u="none" strike="noStrike" baseline="0" dirty="0" smtClean="0">
+                          <a:solidFill>
+                            <a:srgbClr val="000000"/>
+                          </a:solidFill>
+                          <a:effectLst/>
+                          <a:latin typeface="Arial"/>
+                        </a:rPr>
+                        <a:t> – Full Design</a:t>
+                      </a:r>
+                      <a:endParaRPr lang="en-US" sz="1100" dirty="0">
+                        <a:effectLst/>
+                      </a:endParaRPr>
+                    </a:p>
+                  </a:txBody>
+                  <a:tcPr marL="60359" marR="60359" marT="60359" marB="60359" anchor="ctr">
+                    <a:lnL w="7620" cap="flat" cmpd="sng" algn="ctr">
+                      <a:solidFill>
+                        <a:srgbClr val="9E9E9E"/>
+                      </a:solidFill>
+                      <a:prstDash val="solid"/>
+                      <a:round/>
+                      <a:headEnd type="none" w="med" len="med"/>
+                      <a:tailEnd type="none" w="med" len="med"/>
+                    </a:lnL>
+                    <a:lnR w="7620" cap="flat" cmpd="sng" algn="ctr">
+                      <a:solidFill>
+                        <a:srgbClr val="9E9E9E"/>
+                      </a:solidFill>
+                      <a:prstDash val="solid"/>
+                      <a:round/>
+                      <a:headEnd type="none" w="med" len="med"/>
+                      <a:tailEnd type="none" w="med" len="med"/>
+                    </a:lnR>
+                    <a:lnT w="7620" cap="flat" cmpd="sng" algn="ctr">
+                      <a:solidFill>
+                        <a:srgbClr val="9E9E9E"/>
+                      </a:solidFill>
+                      <a:prstDash val="solid"/>
+                      <a:round/>
+                      <a:headEnd type="none" w="med" len="med"/>
+                      <a:tailEnd type="none" w="med" len="med"/>
+                    </a:lnT>
+                    <a:lnB w="7620" cap="flat" cmpd="sng" algn="ctr">
+                      <a:solidFill>
+                        <a:srgbClr val="9E9E9E"/>
+                      </a:solidFill>
+                      <a:prstDash val="solid"/>
+                      <a:round/>
+                      <a:headEnd type="none" w="med" len="med"/>
+                      <a:tailEnd type="none" w="med" len="med"/>
+                    </a:lnB>
+                  </a:tcPr>
+                </a:tc>
+                <a:tc>
+                  <a:txBody>
+                    <a:bodyPr/>
+                    <a:lstStyle/>
+                    <a:p>
+                      <a:pPr algn="ctr" rtl="0" fontAlgn="ctr">
+                        <a:spcBef>
+                          <a:spcPts val="0"/>
+                        </a:spcBef>
+                        <a:spcAft>
+                          <a:spcPts val="0"/>
+                        </a:spcAft>
+                      </a:pPr>
+                      <a:endParaRPr lang="en-US" sz="1100" dirty="0">
+                        <a:effectLst/>
+                      </a:endParaRPr>
+                    </a:p>
+                  </a:txBody>
+                  <a:tcPr marL="60359" marR="60359" marT="60359" marB="60359" anchor="ctr">
+                    <a:lnL w="7620" cap="flat" cmpd="sng" algn="ctr">
+                      <a:solidFill>
+                        <a:srgbClr val="9E9E9E"/>
+                      </a:solidFill>
+                      <a:prstDash val="solid"/>
+                      <a:round/>
+                      <a:headEnd type="none" w="med" len="med"/>
+                      <a:tailEnd type="none" w="med" len="med"/>
+                    </a:lnL>
+                    <a:lnR w="7620" cap="flat" cmpd="sng" algn="ctr">
+                      <a:solidFill>
+                        <a:srgbClr val="9E9E9E"/>
+                      </a:solidFill>
+                      <a:prstDash val="solid"/>
+                      <a:round/>
+                      <a:headEnd type="none" w="med" len="med"/>
+                      <a:tailEnd type="none" w="med" len="med"/>
+                    </a:lnR>
+                    <a:lnT w="7620" cap="flat" cmpd="sng" algn="ctr">
+                      <a:solidFill>
+                        <a:srgbClr val="9E9E9E"/>
+                      </a:solidFill>
+                      <a:prstDash val="solid"/>
+                      <a:round/>
+                      <a:headEnd type="none" w="med" len="med"/>
+                      <a:tailEnd type="none" w="med" len="med"/>
+                    </a:lnT>
+                    <a:lnB w="7620" cap="flat" cmpd="sng" algn="ctr">
+                      <a:solidFill>
+                        <a:srgbClr val="9E9E9E"/>
+                      </a:solidFill>
+                      <a:prstDash val="solid"/>
+                      <a:round/>
+                      <a:headEnd type="none" w="med" len="med"/>
+                      <a:tailEnd type="none" w="med" len="med"/>
+                    </a:lnB>
+                  </a:tcPr>
+                </a:tc>
+                <a:tc>
+                  <a:txBody>
+                    <a:bodyPr/>
+                    <a:lstStyle/>
+                    <a:p>
+                      <a:pPr algn="ctr" rtl="0" fontAlgn="ctr">
+                        <a:spcBef>
+                          <a:spcPts val="0"/>
+                        </a:spcBef>
+                        <a:spcAft>
+                          <a:spcPts val="0"/>
+                        </a:spcAft>
+                      </a:pPr>
+                      <a:r>
+                        <a:rPr lang="en-US" sz="1700" b="1" i="0" u="none" strike="noStrike" dirty="0">
+                          <a:solidFill>
+                            <a:srgbClr val="252525"/>
+                          </a:solidFill>
+                          <a:effectLst/>
+                          <a:latin typeface="Arial"/>
+                        </a:rPr>
+                        <a:t>✔</a:t>
+                      </a:r>
+                      <a:endParaRPr lang="en-US" sz="1100" dirty="0">
+                        <a:effectLst/>
+                      </a:endParaRPr>
+                    </a:p>
+                  </a:txBody>
+                  <a:tcPr marL="60359" marR="60359" marT="60359" marB="60359" anchor="ctr">
+                    <a:lnL w="7620" cap="flat" cmpd="sng" algn="ctr">
+                      <a:solidFill>
+                        <a:srgbClr val="9E9E9E"/>
+                      </a:solidFill>
+                      <a:prstDash val="solid"/>
+                      <a:round/>
+                      <a:headEnd type="none" w="med" len="med"/>
+                      <a:tailEnd type="none" w="med" len="med"/>
+                    </a:lnL>
+                    <a:lnR w="7620" cap="flat" cmpd="sng" algn="ctr">
+                      <a:solidFill>
+                        <a:srgbClr val="9E9E9E"/>
+                      </a:solidFill>
+                      <a:prstDash val="solid"/>
+                      <a:round/>
+                      <a:headEnd type="none" w="med" len="med"/>
+                      <a:tailEnd type="none" w="med" len="med"/>
+                    </a:lnR>
+                    <a:lnT w="7620" cap="flat" cmpd="sng" algn="ctr">
+                      <a:solidFill>
+                        <a:srgbClr val="9E9E9E"/>
+                      </a:solidFill>
+                      <a:prstDash val="solid"/>
+                      <a:round/>
+                      <a:headEnd type="none" w="med" len="med"/>
+                      <a:tailEnd type="none" w="med" len="med"/>
+                    </a:lnT>
+                    <a:lnB w="7620" cap="flat" cmpd="sng" algn="ctr">
+                      <a:solidFill>
+                        <a:srgbClr val="9E9E9E"/>
+                      </a:solidFill>
+                      <a:prstDash val="solid"/>
+                      <a:round/>
+                      <a:headEnd type="none" w="med" len="med"/>
+                      <a:tailEnd type="none" w="med" len="med"/>
+                    </a:lnB>
+                  </a:tcPr>
+                </a:tc>
+              </a:tr>
+              <a:tr h="374224">
+                <a:tc>
+                  <a:txBody>
+                    <a:bodyPr/>
+                    <a:lstStyle/>
+                    <a:p>
+                      <a:pPr algn="ctr" rtl="0" fontAlgn="ctr">
+                        <a:spcBef>
+                          <a:spcPts val="0"/>
+                        </a:spcBef>
+                        <a:spcAft>
+                          <a:spcPts val="0"/>
+                        </a:spcAft>
+                      </a:pPr>
+                      <a:r>
+                        <a:rPr lang="en-US" sz="1100" b="1" dirty="0" smtClean="0">
+                          <a:effectLst/>
+                        </a:rPr>
+                        <a:t>Assembly</a:t>
+                      </a:r>
+                      <a:r>
+                        <a:rPr lang="en-US" sz="1100" b="1" baseline="0" dirty="0" smtClean="0">
+                          <a:effectLst/>
+                        </a:rPr>
+                        <a:t> – Test Stimulus Generator</a:t>
+                      </a:r>
+                      <a:endParaRPr lang="en-US" sz="1100" b="1" dirty="0">
+                        <a:effectLst/>
+                      </a:endParaRPr>
+                    </a:p>
+                  </a:txBody>
+                  <a:tcPr marL="60359" marR="60359" marT="60359" marB="60359" anchor="ctr">
+                    <a:lnL w="7620" cap="flat" cmpd="sng" algn="ctr">
+                      <a:solidFill>
+                        <a:srgbClr val="9E9E9E"/>
+                      </a:solidFill>
+                      <a:prstDash val="solid"/>
+                      <a:round/>
+                      <a:headEnd type="none" w="med" len="med"/>
+                      <a:tailEnd type="none" w="med" len="med"/>
+                    </a:lnL>
+                    <a:lnR w="7620" cap="flat" cmpd="sng" algn="ctr">
+                      <a:solidFill>
+                        <a:srgbClr val="9E9E9E"/>
+                      </a:solidFill>
+                      <a:prstDash val="solid"/>
+                      <a:round/>
+                      <a:headEnd type="none" w="med" len="med"/>
+                      <a:tailEnd type="none" w="med" len="med"/>
+                    </a:lnR>
+                    <a:lnT w="7620" cap="flat" cmpd="sng" algn="ctr">
+                      <a:solidFill>
+                        <a:srgbClr val="9E9E9E"/>
+                      </a:solidFill>
+                      <a:prstDash val="solid"/>
+                      <a:round/>
+                      <a:headEnd type="none" w="med" len="med"/>
+                      <a:tailEnd type="none" w="med" len="med"/>
+                    </a:lnT>
+                    <a:lnB w="7620" cap="flat" cmpd="sng" algn="ctr">
+                      <a:solidFill>
+                        <a:srgbClr val="9E9E9E"/>
+                      </a:solidFill>
+                      <a:prstDash val="solid"/>
+                      <a:round/>
+                      <a:headEnd type="none" w="med" len="med"/>
+                      <a:tailEnd type="none" w="med" len="med"/>
+                    </a:lnB>
+                  </a:tcPr>
+                </a:tc>
+                <a:tc>
+                  <a:txBody>
+                    <a:bodyPr/>
+                    <a:lstStyle/>
+                    <a:p>
+                      <a:pPr algn="ctr" fontAlgn="ctr"/>
+                      <a:r>
+                        <a:rPr lang="en-US" sz="1100" dirty="0">
+                          <a:effectLst/>
+                        </a:rPr>
+                        <a:t> </a:t>
+                      </a:r>
+                      <a:r>
+                        <a:rPr kumimoji="0" lang="en-US" sz="1700" b="1" i="0" u="none" strike="noStrike" kern="0" cap="none" spc="0" normalizeH="0" baseline="0" noProof="0" dirty="0" smtClean="0">
+                          <a:ln>
+                            <a:noFill/>
+                          </a:ln>
+                          <a:solidFill>
+                            <a:srgbClr val="252525"/>
+                          </a:solidFill>
+                          <a:effectLst/>
+                          <a:uLnTx/>
+                          <a:uFillTx/>
+                          <a:latin typeface="+mn-lt"/>
+                          <a:ea typeface="+mn-ea"/>
+                          <a:cs typeface="+mn-cs"/>
+                          <a:sym typeface="Arial"/>
+                        </a:rPr>
+                        <a:t>✔</a:t>
+                      </a:r>
+                      <a:endParaRPr lang="en-US" sz="1100" dirty="0">
+                        <a:effectLst/>
+                      </a:endParaRPr>
+                    </a:p>
+                  </a:txBody>
+                  <a:tcPr marL="60359" marR="60359" marT="60359" marB="60359" anchor="ctr">
+                    <a:lnL w="7620" cap="flat" cmpd="sng" algn="ctr">
+                      <a:solidFill>
+                        <a:srgbClr val="9E9E9E"/>
+                      </a:solidFill>
+                      <a:prstDash val="solid"/>
+                      <a:round/>
+                      <a:headEnd type="none" w="med" len="med"/>
+                      <a:tailEnd type="none" w="med" len="med"/>
+                    </a:lnL>
+                    <a:lnR w="7620" cap="flat" cmpd="sng" algn="ctr">
+                      <a:solidFill>
+                        <a:srgbClr val="9E9E9E"/>
+                      </a:solidFill>
+                      <a:prstDash val="solid"/>
+                      <a:round/>
+                      <a:headEnd type="none" w="med" len="med"/>
+                      <a:tailEnd type="none" w="med" len="med"/>
+                    </a:lnR>
+                    <a:lnT w="7620" cap="flat" cmpd="sng" algn="ctr">
+                      <a:solidFill>
+                        <a:srgbClr val="9E9E9E"/>
+                      </a:solidFill>
+                      <a:prstDash val="solid"/>
+                      <a:round/>
+                      <a:headEnd type="none" w="med" len="med"/>
+                      <a:tailEnd type="none" w="med" len="med"/>
+                    </a:lnT>
+                    <a:lnB w="7620" cap="flat" cmpd="sng" algn="ctr">
+                      <a:solidFill>
+                        <a:srgbClr val="9E9E9E"/>
+                      </a:solidFill>
+                      <a:prstDash val="solid"/>
+                      <a:round/>
+                      <a:headEnd type="none" w="med" len="med"/>
+                      <a:tailEnd type="none" w="med" len="med"/>
+                    </a:lnB>
+                  </a:tcPr>
+                </a:tc>
+                <a:tc>
+                  <a:txBody>
+                    <a:bodyPr/>
+                    <a:lstStyle/>
+                    <a:p>
+                      <a:pPr algn="ctr" rtl="0" fontAlgn="ctr">
+                        <a:spcBef>
+                          <a:spcPts val="0"/>
+                        </a:spcBef>
+                        <a:spcAft>
+                          <a:spcPts val="0"/>
+                        </a:spcAft>
+                      </a:pPr>
+                      <a:r>
+                        <a:rPr lang="en-US" sz="1700" b="1" i="0" u="none" strike="noStrike" dirty="0">
+                          <a:solidFill>
+                            <a:srgbClr val="252525"/>
+                          </a:solidFill>
+                          <a:effectLst/>
+                          <a:latin typeface="Arial"/>
+                        </a:rPr>
+                        <a:t>✔</a:t>
+                      </a:r>
+                      <a:endParaRPr lang="en-US" sz="1100" dirty="0">
+                        <a:effectLst/>
+                      </a:endParaRPr>
+                    </a:p>
+                  </a:txBody>
+                  <a:tcPr marL="60359" marR="60359" marT="60359" marB="60359" anchor="ctr">
+                    <a:lnL w="7620" cap="flat" cmpd="sng" algn="ctr">
+                      <a:solidFill>
+                        <a:srgbClr val="9E9E9E"/>
+                      </a:solidFill>
+                      <a:prstDash val="solid"/>
+                      <a:round/>
+                      <a:headEnd type="none" w="med" len="med"/>
+                      <a:tailEnd type="none" w="med" len="med"/>
+                    </a:lnL>
+                    <a:lnR w="7620" cap="flat" cmpd="sng" algn="ctr">
+                      <a:solidFill>
+                        <a:srgbClr val="9E9E9E"/>
+                      </a:solidFill>
+                      <a:prstDash val="solid"/>
+                      <a:round/>
+                      <a:headEnd type="none" w="med" len="med"/>
+                      <a:tailEnd type="none" w="med" len="med"/>
+                    </a:lnR>
+                    <a:lnT w="7620" cap="flat" cmpd="sng" algn="ctr">
+                      <a:solidFill>
+                        <a:srgbClr val="9E9E9E"/>
+                      </a:solidFill>
+                      <a:prstDash val="solid"/>
+                      <a:round/>
+                      <a:headEnd type="none" w="med" len="med"/>
+                      <a:tailEnd type="none" w="med" len="med"/>
+                    </a:lnT>
+                    <a:lnB w="7620" cap="flat" cmpd="sng" algn="ctr">
+                      <a:solidFill>
+                        <a:srgbClr val="9E9E9E"/>
+                      </a:solidFill>
+                      <a:prstDash val="solid"/>
+                      <a:round/>
+                      <a:headEnd type="none" w="med" len="med"/>
+                      <a:tailEnd type="none" w="med" len="med"/>
+                    </a:lnB>
+                  </a:tcPr>
+                </a:tc>
+              </a:tr>
+            </a:tbl>
+          </a:graphicData>
+        </a:graphic>
+      </p:graphicFrame>
+    </p:spTree>
+    <p:extLst>
+      <p:ext uri="{BB962C8B-B14F-4D97-AF65-F5344CB8AC3E}">
+        <p14:creationId xmlns:p14="http://schemas.microsoft.com/office/powerpoint/2010/main" val="3627507308"/>
+      </p:ext>
+    </p:extLst>
+  </p:cSld>
+  <p:clrMapOvr>
+    <a:masterClrMapping/>
+  </p:clrMapOvr>
 </p:sld>
 </file>
 
